--- a/MyTime.pptx
+++ b/MyTime.pptx
@@ -6897,7 +6897,9 @@
         </p:nvSpPr>
         <p:spPr/>
         <p:txBody>
-          <a:bodyPr/>
+          <a:bodyPr>
+            <a:normAutofit/>
+          </a:bodyPr>
           <a:lstStyle/>
           <a:p>
             <a:r>
@@ -6909,17 +6911,38 @@
             <a:pPr lvl="1"/>
             <a:r>
               <a:rPr lang="de-DE" dirty="0"/>
-              <a:t>Ein Unternehmen, dass flexible und vielseitige Fitnesspläne anbietet </a:t>
+              <a:t>Fitnesspläne für Menschen die nicht so viel Zeit haben </a:t>
             </a:r>
           </a:p>
           <a:p>
             <a:pPr lvl="1"/>
-            <a:endParaRPr lang="de-DE" dirty="0"/>
-          </a:p>
-          <a:p>
             <a:r>
               <a:rPr lang="de-DE" dirty="0"/>
-              <a:t>Umsetzung </a:t>
+              <a:t>Mit Übungen für Zuhause und auch fürs Fitnessstudio</a:t>
+            </a:r>
+          </a:p>
+          <a:p>
+            <a:pPr lvl="1"/>
+            <a:r>
+              <a:rPr lang="de-DE" dirty="0"/>
+              <a:t>Mit Tipps und Tricks für die Übungen</a:t>
+            </a:r>
+          </a:p>
+          <a:p>
+            <a:r>
+              <a:rPr lang="de-DE" dirty="0"/>
+              <a:t>Umsetzung:</a:t>
+            </a:r>
+          </a:p>
+          <a:p>
+            <a:pPr lvl="1"/>
+            <a:r>
+              <a:rPr lang="de-DE" dirty="0"/>
+              <a:t>Ein Unternehmen, dass flexible und vielseitige </a:t>
+            </a:r>
+            <a:r>
+              <a:rPr lang="de-DE"/>
+              <a:t>Fitnesspläne anbietet </a:t>
             </a:r>
           </a:p>
         </p:txBody>

--- a/MyTime.pptx
+++ b/MyTime.pptx
@@ -8,9 +8,9 @@
     <p:sldId id="256" r:id="rId2"/>
     <p:sldId id="257" r:id="rId3"/>
     <p:sldId id="262" r:id="rId4"/>
-    <p:sldId id="263" r:id="rId5"/>
-    <p:sldId id="264" r:id="rId6"/>
-    <p:sldId id="265" r:id="rId7"/>
+    <p:sldId id="264" r:id="rId5"/>
+    <p:sldId id="265" r:id="rId6"/>
+    <p:sldId id="263" r:id="rId7"/>
     <p:sldId id="266" r:id="rId8"/>
     <p:sldId id="260" r:id="rId9"/>
     <p:sldId id="261" r:id="rId10"/>
@@ -113,6 +113,11 @@
       </a:defRPr>
     </a:lvl9pPr>
   </p:defaultTextStyle>
+  <p:extLst>
+    <p:ext uri="{EFAFB233-063F-42B5-8137-9DF3F51BA10A}">
+      <p15:sldGuideLst xmlns:p15="http://schemas.microsoft.com/office/powerpoint/2012/main"/>
+    </p:ext>
+  </p:extLst>
 </p:presentation>
 </file>
 
@@ -6938,11 +6943,7 @@
             <a:pPr lvl="1"/>
             <a:r>
               <a:rPr lang="de-DE" dirty="0"/>
-              <a:t>Ein Unternehmen, dass flexible und vielseitige </a:t>
-            </a:r>
-            <a:r>
-              <a:rPr lang="de-DE"/>
-              <a:t>Fitnesspläne anbietet </a:t>
+              <a:t>Ein Unternehmen, dass gute Fitnesspläne anbietet </a:t>
             </a:r>
           </a:p>
         </p:txBody>
@@ -6961,133 +6962,6 @@
 </file>
 
 <file path=ppt/slides/slide4.xml><?xml version="1.0" encoding="utf-8"?>
-<p:sld xmlns:a="http://schemas.openxmlformats.org/drawingml/2006/main" xmlns:r="http://schemas.openxmlformats.org/officeDocument/2006/relationships" xmlns:p="http://schemas.openxmlformats.org/presentationml/2006/main">
-  <p:cSld>
-    <p:spTree>
-      <p:nvGrpSpPr>
-        <p:cNvPr id="1" name=""/>
-        <p:cNvGrpSpPr/>
-        <p:nvPr/>
-      </p:nvGrpSpPr>
-      <p:grpSpPr>
-        <a:xfrm>
-          <a:off x="0" y="0"/>
-          <a:ext cx="0" cy="0"/>
-          <a:chOff x="0" y="0"/>
-          <a:chExt cx="0" cy="0"/>
-        </a:xfrm>
-      </p:grpSpPr>
-      <p:sp>
-        <p:nvSpPr>
-          <p:cNvPr id="2" name="Titel 1">
-            <a:extLst>
-              <a:ext uri="{FF2B5EF4-FFF2-40B4-BE49-F238E27FC236}">
-                <a16:creationId xmlns:a16="http://schemas.microsoft.com/office/drawing/2014/main" id="{E84B8055-0DC7-44E3-B4E2-0395DD5F6261}"/>
-              </a:ext>
-            </a:extLst>
-          </p:cNvPr>
-          <p:cNvSpPr>
-            <a:spLocks noGrp="1"/>
-          </p:cNvSpPr>
-          <p:nvPr>
-            <p:ph type="title"/>
-          </p:nvPr>
-        </p:nvSpPr>
-        <p:spPr/>
-        <p:txBody>
-          <a:bodyPr/>
-          <a:lstStyle/>
-          <a:p>
-            <a:r>
-              <a:rPr lang="de-DE" dirty="0">
-                <a:effectLst>
-                  <a:outerShdw blurRad="38100" dist="38100" dir="2700000" algn="tl">
-                    <a:srgbClr val="000000">
-                      <a:alpha val="43137"/>
-                    </a:srgbClr>
-                  </a:outerShdw>
-                </a:effectLst>
-              </a:rPr>
-              <a:t>Was soll das Logo ausdrücken</a:t>
-            </a:r>
-          </a:p>
-        </p:txBody>
-      </p:sp>
-      <p:sp>
-        <p:nvSpPr>
-          <p:cNvPr id="3" name="Inhaltsplatzhalter 2">
-            <a:extLst>
-              <a:ext uri="{FF2B5EF4-FFF2-40B4-BE49-F238E27FC236}">
-                <a16:creationId xmlns:a16="http://schemas.microsoft.com/office/drawing/2014/main" id="{7727EA06-F62A-44E7-B3B1-141633DD47E8}"/>
-              </a:ext>
-            </a:extLst>
-          </p:cNvPr>
-          <p:cNvSpPr>
-            <a:spLocks noGrp="1"/>
-          </p:cNvSpPr>
-          <p:nvPr>
-            <p:ph idx="1"/>
-          </p:nvPr>
-        </p:nvSpPr>
-        <p:spPr/>
-        <p:txBody>
-          <a:bodyPr/>
-          <a:lstStyle/>
-          <a:p>
-            <a:r>
-              <a:rPr lang="de-DE" dirty="0"/>
-              <a:t>Flexibilität und Vielseitigkeit der Pläne </a:t>
-            </a:r>
-          </a:p>
-          <a:p>
-            <a:pPr lvl="1"/>
-            <a:r>
-              <a:rPr lang="de-DE" dirty="0"/>
-              <a:t>durch geschwungene dynamische Formen wiederspiegeln </a:t>
-            </a:r>
-          </a:p>
-          <a:p>
-            <a:r>
-              <a:rPr lang="de-DE" dirty="0"/>
-              <a:t>Es geht um einen gesunden Lifestyle geht sollten dementsprechend auch </a:t>
-            </a:r>
-          </a:p>
-          <a:p>
-            <a:pPr lvl="1"/>
-            <a:r>
-              <a:rPr lang="de-DE" dirty="0"/>
-              <a:t>gesunde, natürliche Farben (z.B. blau) einsetzen</a:t>
-            </a:r>
-          </a:p>
-          <a:p>
-            <a:r>
-              <a:rPr lang="de-DE" dirty="0"/>
-              <a:t>Zielstrebigkeit</a:t>
-            </a:r>
-          </a:p>
-          <a:p>
-            <a:pPr lvl="1"/>
-            <a:r>
-              <a:rPr lang="de-DE" dirty="0"/>
-              <a:t>Pfeil</a:t>
-            </a:r>
-          </a:p>
-        </p:txBody>
-      </p:sp>
-    </p:spTree>
-    <p:extLst>
-      <p:ext uri="{BB962C8B-B14F-4D97-AF65-F5344CB8AC3E}">
-        <p14:creationId xmlns:p14="http://schemas.microsoft.com/office/powerpoint/2010/main" val="2890147286"/>
-      </p:ext>
-    </p:extLst>
-  </p:cSld>
-  <p:clrMapOvr>
-    <a:masterClrMapping/>
-  </p:clrMapOvr>
-</p:sld>
-</file>
-
-<file path=ppt/slides/slide5.xml><?xml version="1.0" encoding="utf-8"?>
 <p:sld xmlns:a="http://schemas.openxmlformats.org/drawingml/2006/main" xmlns:r="http://schemas.openxmlformats.org/officeDocument/2006/relationships" xmlns:p="http://schemas.openxmlformats.org/presentationml/2006/main">
   <p:cSld>
     <p:bg>
@@ -7249,33 +7123,18 @@
             <a:off x="5790842" y="3988123"/>
             <a:ext cx="2870791" cy="1803077"/>
           </a:xfrm>
-          <a:prstGeom prst="roundRect">
-            <a:avLst>
-              <a:gd name="adj" fmla="val 4380"/>
-            </a:avLst>
+          <a:prstGeom prst="rect">
+            <a:avLst/>
           </a:prstGeom>
-          <a:ln w="38100">
-            <a:gradFill flip="none" rotWithShape="1">
-              <a:gsLst>
-                <a:gs pos="0">
-                  <a:schemeClr val="bg2"/>
-                </a:gs>
-                <a:gs pos="100000">
-                  <a:schemeClr val="bg2">
-                    <a:lumMod val="75000"/>
-                  </a:schemeClr>
-                </a:gs>
-              </a:gsLst>
-              <a:lin ang="5400000" scaled="0"/>
-              <a:tileRect/>
-            </a:gradFill>
+          <a:ln>
+            <a:noFill/>
           </a:ln>
           <a:effectLst>
-            <a:innerShdw blurRad="57150" dist="38100" dir="14460000">
+            <a:outerShdw blurRad="190500" algn="tl" rotWithShape="0">
               <a:srgbClr val="000000">
                 <a:alpha val="70000"/>
               </a:srgbClr>
-            </a:innerShdw>
+            </a:outerShdw>
           </a:effectLst>
         </p:spPr>
       </p:pic>
@@ -7302,35 +7161,20 @@
         <p:spPr>
           <a:xfrm>
             <a:off x="6105494" y="908957"/>
-            <a:ext cx="5162611" cy="2520043"/>
+            <a:ext cx="5162611" cy="2790588"/>
           </a:xfrm>
-          <a:prstGeom prst="roundRect">
-            <a:avLst>
-              <a:gd name="adj" fmla="val 4380"/>
-            </a:avLst>
+          <a:prstGeom prst="rect">
+            <a:avLst/>
           </a:prstGeom>
-          <a:ln w="38100">
-            <a:gradFill flip="none" rotWithShape="1">
-              <a:gsLst>
-                <a:gs pos="0">
-                  <a:schemeClr val="bg2"/>
-                </a:gs>
-                <a:gs pos="100000">
-                  <a:schemeClr val="bg2">
-                    <a:lumMod val="75000"/>
-                  </a:schemeClr>
-                </a:gs>
-              </a:gsLst>
-              <a:lin ang="5400000" scaled="0"/>
-              <a:tileRect/>
-            </a:gradFill>
+          <a:ln>
+            <a:noFill/>
           </a:ln>
           <a:effectLst>
-            <a:innerShdw blurRad="57150" dist="38100" dir="14460000">
+            <a:outerShdw blurRad="190500" algn="tl" rotWithShape="0">
               <a:srgbClr val="000000">
                 <a:alpha val="70000"/>
               </a:srgbClr>
-            </a:innerShdw>
+            </a:outerShdw>
           </a:effectLst>
         </p:spPr>
       </p:pic>
@@ -7359,33 +7203,18 @@
             <a:off x="8944153" y="3974447"/>
             <a:ext cx="2603722" cy="1803077"/>
           </a:xfrm>
-          <a:prstGeom prst="roundRect">
-            <a:avLst>
-              <a:gd name="adj" fmla="val 4380"/>
-            </a:avLst>
+          <a:prstGeom prst="rect">
+            <a:avLst/>
           </a:prstGeom>
-          <a:ln w="38100">
-            <a:gradFill flip="none" rotWithShape="1">
-              <a:gsLst>
-                <a:gs pos="0">
-                  <a:schemeClr val="bg2"/>
-                </a:gs>
-                <a:gs pos="100000">
-                  <a:schemeClr val="bg2">
-                    <a:lumMod val="75000"/>
-                  </a:schemeClr>
-                </a:gs>
-              </a:gsLst>
-              <a:lin ang="5400000" scaled="0"/>
-              <a:tileRect/>
-            </a:gradFill>
+          <a:ln>
+            <a:noFill/>
           </a:ln>
           <a:effectLst>
-            <a:innerShdw blurRad="57150" dist="38100" dir="14460000">
+            <a:outerShdw blurRad="190500" algn="tl" rotWithShape="0">
               <a:srgbClr val="000000">
                 <a:alpha val="70000"/>
               </a:srgbClr>
-            </a:innerShdw>
+            </a:outerShdw>
           </a:effectLst>
         </p:spPr>
       </p:pic>
@@ -7402,7 +7231,7 @@
 </p:sld>
 </file>
 
-<file path=ppt/slides/slide6.xml><?xml version="1.0" encoding="utf-8"?>
+<file path=ppt/slides/slide5.xml><?xml version="1.0" encoding="utf-8"?>
 <p:sld xmlns:a="http://schemas.openxmlformats.org/drawingml/2006/main" xmlns:r="http://schemas.openxmlformats.org/officeDocument/2006/relationships" xmlns:p="http://schemas.openxmlformats.org/presentationml/2006/main">
   <p:cSld>
     <p:bg>
@@ -8074,6 +7903,133 @@
 </p:sld>
 </file>
 
+<file path=ppt/slides/slide6.xml><?xml version="1.0" encoding="utf-8"?>
+<p:sld xmlns:a="http://schemas.openxmlformats.org/drawingml/2006/main" xmlns:r="http://schemas.openxmlformats.org/officeDocument/2006/relationships" xmlns:p="http://schemas.openxmlformats.org/presentationml/2006/main">
+  <p:cSld>
+    <p:spTree>
+      <p:nvGrpSpPr>
+        <p:cNvPr id="1" name=""/>
+        <p:cNvGrpSpPr/>
+        <p:nvPr/>
+      </p:nvGrpSpPr>
+      <p:grpSpPr>
+        <a:xfrm>
+          <a:off x="0" y="0"/>
+          <a:ext cx="0" cy="0"/>
+          <a:chOff x="0" y="0"/>
+          <a:chExt cx="0" cy="0"/>
+        </a:xfrm>
+      </p:grpSpPr>
+      <p:sp>
+        <p:nvSpPr>
+          <p:cNvPr id="2" name="Titel 1">
+            <a:extLst>
+              <a:ext uri="{FF2B5EF4-FFF2-40B4-BE49-F238E27FC236}">
+                <a16:creationId xmlns:a16="http://schemas.microsoft.com/office/drawing/2014/main" id="{E84B8055-0DC7-44E3-B4E2-0395DD5F6261}"/>
+              </a:ext>
+            </a:extLst>
+          </p:cNvPr>
+          <p:cNvSpPr>
+            <a:spLocks noGrp="1"/>
+          </p:cNvSpPr>
+          <p:nvPr>
+            <p:ph type="title"/>
+          </p:nvPr>
+        </p:nvSpPr>
+        <p:spPr/>
+        <p:txBody>
+          <a:bodyPr/>
+          <a:lstStyle/>
+          <a:p>
+            <a:r>
+              <a:rPr lang="de-DE" dirty="0">
+                <a:effectLst>
+                  <a:outerShdw blurRad="38100" dist="38100" dir="2700000" algn="tl">
+                    <a:srgbClr val="000000">
+                      <a:alpha val="43137"/>
+                    </a:srgbClr>
+                  </a:outerShdw>
+                </a:effectLst>
+              </a:rPr>
+              <a:t>Was soll das Logo ausdrücken</a:t>
+            </a:r>
+          </a:p>
+        </p:txBody>
+      </p:sp>
+      <p:sp>
+        <p:nvSpPr>
+          <p:cNvPr id="3" name="Inhaltsplatzhalter 2">
+            <a:extLst>
+              <a:ext uri="{FF2B5EF4-FFF2-40B4-BE49-F238E27FC236}">
+                <a16:creationId xmlns:a16="http://schemas.microsoft.com/office/drawing/2014/main" id="{7727EA06-F62A-44E7-B3B1-141633DD47E8}"/>
+              </a:ext>
+            </a:extLst>
+          </p:cNvPr>
+          <p:cNvSpPr>
+            <a:spLocks noGrp="1"/>
+          </p:cNvSpPr>
+          <p:nvPr>
+            <p:ph idx="1"/>
+          </p:nvPr>
+        </p:nvSpPr>
+        <p:spPr/>
+        <p:txBody>
+          <a:bodyPr/>
+          <a:lstStyle/>
+          <a:p>
+            <a:r>
+              <a:rPr lang="de-DE" dirty="0"/>
+              <a:t>Flexibilität und Vielseitigkeit der Pläne </a:t>
+            </a:r>
+          </a:p>
+          <a:p>
+            <a:pPr lvl="1"/>
+            <a:r>
+              <a:rPr lang="de-DE" dirty="0"/>
+              <a:t>durch geschwungene dynamische Formen wiederspiegeln </a:t>
+            </a:r>
+          </a:p>
+          <a:p>
+            <a:r>
+              <a:rPr lang="de-DE" dirty="0"/>
+              <a:t>Es geht um einen gesunden Lifestyle geht sollten dementsprechend auch </a:t>
+            </a:r>
+          </a:p>
+          <a:p>
+            <a:pPr lvl="1"/>
+            <a:r>
+              <a:rPr lang="de-DE" dirty="0"/>
+              <a:t>gesunde, natürliche Farben (z.B. blau) einsetzen</a:t>
+            </a:r>
+          </a:p>
+          <a:p>
+            <a:r>
+              <a:rPr lang="de-DE" dirty="0"/>
+              <a:t>Zielstrebigkeit</a:t>
+            </a:r>
+          </a:p>
+          <a:p>
+            <a:pPr lvl="1"/>
+            <a:r>
+              <a:rPr lang="de-DE" dirty="0"/>
+              <a:t>Pfeil</a:t>
+            </a:r>
+          </a:p>
+        </p:txBody>
+      </p:sp>
+    </p:spTree>
+    <p:extLst>
+      <p:ext uri="{BB962C8B-B14F-4D97-AF65-F5344CB8AC3E}">
+        <p14:creationId xmlns:p14="http://schemas.microsoft.com/office/powerpoint/2010/main" val="2890147286"/>
+      </p:ext>
+    </p:extLst>
+  </p:cSld>
+  <p:clrMapOvr>
+    <a:masterClrMapping/>
+  </p:clrMapOvr>
+</p:sld>
+</file>
+
 <file path=ppt/slides/slide7.xml><?xml version="1.0" encoding="utf-8"?>
 <p:sld xmlns:a="http://schemas.openxmlformats.org/drawingml/2006/main" xmlns:r="http://schemas.openxmlformats.org/officeDocument/2006/relationships" xmlns:p="http://schemas.openxmlformats.org/presentationml/2006/main">
   <p:cSld>
@@ -8340,33 +8296,18 @@
             <a:off x="6171501" y="297142"/>
             <a:ext cx="4834855" cy="6382648"/>
           </a:xfrm>
-          <a:prstGeom prst="roundRect">
-            <a:avLst>
-              <a:gd name="adj" fmla="val 4380"/>
-            </a:avLst>
+          <a:prstGeom prst="rect">
+            <a:avLst/>
           </a:prstGeom>
-          <a:ln w="38100">
-            <a:gradFill flip="none" rotWithShape="1">
-              <a:gsLst>
-                <a:gs pos="0">
-                  <a:schemeClr val="bg2"/>
-                </a:gs>
-                <a:gs pos="100000">
-                  <a:schemeClr val="bg2">
-                    <a:lumMod val="75000"/>
-                  </a:schemeClr>
-                </a:gs>
-              </a:gsLst>
-              <a:lin ang="5400000" scaled="0"/>
-              <a:tileRect/>
-            </a:gradFill>
+          <a:ln>
+            <a:noFill/>
           </a:ln>
           <a:effectLst>
-            <a:innerShdw blurRad="57150" dist="38100" dir="14460000">
+            <a:outerShdw blurRad="190500" algn="tl" rotWithShape="0">
               <a:srgbClr val="000000">
                 <a:alpha val="70000"/>
               </a:srgbClr>
-            </a:innerShdw>
+            </a:outerShdw>
           </a:effectLst>
         </p:spPr>
       </p:pic>
@@ -8480,6 +8421,16 @@
           <a:prstGeom prst="rect">
             <a:avLst/>
           </a:prstGeom>
+          <a:ln>
+            <a:noFill/>
+          </a:ln>
+          <a:effectLst>
+            <a:outerShdw blurRad="190500" algn="tl" rotWithShape="0">
+              <a:srgbClr val="000000">
+                <a:alpha val="70000"/>
+              </a:srgbClr>
+            </a:outerShdw>
+          </a:effectLst>
         </p:spPr>
       </p:pic>
     </p:spTree>
